--- a/C언어 4조 발표.pptx
+++ b/C언어 4조 발표.pptx
@@ -33,7 +33,7 @@
     <p:sldId id="320" r:id="rId24"/>
     <p:sldId id="317" r:id="rId25"/>
     <p:sldId id="318" r:id="rId26"/>
-    <p:sldId id="319" r:id="rId27"/>
+    <p:sldId id="321" r:id="rId27"/>
     <p:sldId id="265" r:id="rId28"/>
     <p:sldId id="267" r:id="rId29"/>
     <p:sldId id="302" r:id="rId30"/>
@@ -44,40 +44,40 @@
   <p:notesSz cx="6858000" cy="9144000"/>
   <p:embeddedFontLst>
     <p:embeddedFont>
+      <p:font typeface="맑은 고딕" panose="020B0503020000020004" pitchFamily="50" charset="-127"/>
+      <p:regular r:id="rId34"/>
+      <p:bold r:id="rId35"/>
+    </p:embeddedFont>
+    <p:embeddedFont>
       <p:font typeface="다키 L" pitchFamily="2" charset="-127"/>
-      <p:regular r:id="rId34"/>
+      <p:regular r:id="rId36"/>
+    </p:embeddedFont>
+    <p:embeddedFont>
+      <p:font typeface="Daki M" pitchFamily="2" charset="-127"/>
+      <p:regular r:id="rId37"/>
+    </p:embeddedFont>
+    <p:embeddedFont>
+      <p:font typeface="다키 M Title" pitchFamily="2" charset="-127"/>
+      <p:regular r:id="rId38"/>
+    </p:embeddedFont>
+    <p:embeddedFont>
+      <p:font typeface="Calibri Light" panose="020F0302020204030204" pitchFamily="34" charset="0"/>
+      <p:regular r:id="rId39"/>
+      <p:italic r:id="rId40"/>
+    </p:embeddedFont>
+    <p:embeddedFont>
+      <p:font typeface="다키 B" pitchFamily="2" charset="-127"/>
+      <p:regular r:id="rId41"/>
+    </p:embeddedFont>
+    <p:embeddedFont>
+      <p:font typeface="Calibri" panose="020F0502020204030204" pitchFamily="34" charset="0"/>
+      <p:regular r:id="rId42"/>
+      <p:bold r:id="rId43"/>
+      <p:italic r:id="rId44"/>
+      <p:boldItalic r:id="rId45"/>
     </p:embeddedFont>
     <p:embeddedFont>
       <p:font typeface="다키 M" pitchFamily="2" charset="-127"/>
-      <p:regular r:id="rId35"/>
-    </p:embeddedFont>
-    <p:embeddedFont>
-      <p:font typeface="Calibri Light" panose="020F0302020204030204" pitchFamily="34" charset="0"/>
-      <p:regular r:id="rId36"/>
-      <p:italic r:id="rId37"/>
-    </p:embeddedFont>
-    <p:embeddedFont>
-      <p:font typeface="Calibri" panose="020F0502020204030204" pitchFamily="34" charset="0"/>
-      <p:regular r:id="rId38"/>
-      <p:bold r:id="rId39"/>
-      <p:italic r:id="rId40"/>
-      <p:boldItalic r:id="rId41"/>
-    </p:embeddedFont>
-    <p:embeddedFont>
-      <p:font typeface="다키 M Title" pitchFamily="2" charset="-127"/>
-      <p:regular r:id="rId42"/>
-    </p:embeddedFont>
-    <p:embeddedFont>
-      <p:font typeface="맑은 고딕" panose="020B0503020000020004" pitchFamily="50" charset="-127"/>
-      <p:regular r:id="rId43"/>
-      <p:bold r:id="rId44"/>
-    </p:embeddedFont>
-    <p:embeddedFont>
-      <p:font typeface="다키 B" pitchFamily="2" charset="-127"/>
-      <p:regular r:id="rId45"/>
-    </p:embeddedFont>
-    <p:embeddedFont>
-      <p:font typeface="Daki M" pitchFamily="2" charset="-127"/>
       <p:regular r:id="rId46"/>
     </p:embeddedFont>
   </p:embeddedFontLst>
@@ -269,7 +269,7 @@
           <a:p>
             <a:fld id="{84543EC8-4E6D-46BD-944B-963EC29406E5}" type="datetimeFigureOut">
               <a:rPr lang="ko-KR" altLang="en-US" smtClean="0"/>
-              <a:t>2025-03-31</a:t>
+              <a:t>2025-04-01</a:t>
             </a:fld>
             <a:endParaRPr lang="ko-KR" altLang="en-US"/>
           </a:p>
@@ -7000,7 +7000,7 @@
           <a:p>
             <a:fld id="{4D16BF97-55BE-41D7-A5BB-0D02BD7B0503}" type="datetimeFigureOut">
               <a:rPr lang="ko-KR" altLang="en-US" smtClean="0"/>
-              <a:t>2025-03-31</a:t>
+              <a:t>2025-04-01</a:t>
             </a:fld>
             <a:endParaRPr lang="ko-KR" altLang="en-US"/>
           </a:p>
@@ -7718,7 +7718,7 @@
           <a:p>
             <a:fld id="{4D16BF97-55BE-41D7-A5BB-0D02BD7B0503}" type="datetimeFigureOut">
               <a:rPr lang="ko-KR" altLang="en-US" smtClean="0"/>
-              <a:t>2025-03-31</a:t>
+              <a:t>2025-04-01</a:t>
             </a:fld>
             <a:endParaRPr lang="ko-KR" altLang="en-US"/>
           </a:p>
@@ -8258,7 +8258,7 @@
             <a:fld id="{E3B99DD1-C01C-41AF-9B2F-192F1B152AF4}" type="datetimeFigureOut">
               <a:rPr lang="ko-KR" altLang="en-US" smtClean="0"/>
               <a:pPr/>
-              <a:t>2025-03-31</a:t>
+              <a:t>2025-04-01</a:t>
             </a:fld>
             <a:endParaRPr lang="ko-KR" altLang="en-US"/>
           </a:p>
@@ -22392,10 +22392,123 @@
           </a:p>
         </p:txBody>
       </p:sp>
+      <p:grpSp>
+        <p:nvGrpSpPr>
+          <p:cNvPr id="8" name="그룹 7"/>
+          <p:cNvGrpSpPr/>
+          <p:nvPr/>
+        </p:nvGrpSpPr>
+        <p:grpSpPr>
+          <a:xfrm>
+            <a:off x="1922722" y="6273595"/>
+            <a:ext cx="1746607" cy="307777"/>
+            <a:chOff x="467733" y="7032720"/>
+            <a:chExt cx="1746607" cy="307777"/>
+          </a:xfrm>
+        </p:grpSpPr>
+        <p:sp>
+          <p:nvSpPr>
+            <p:cNvPr id="7" name="직사각형 6"/>
+            <p:cNvSpPr/>
+            <p:nvPr/>
+          </p:nvSpPr>
+          <p:spPr>
+            <a:xfrm>
+              <a:off x="467733" y="7076162"/>
+              <a:ext cx="1515438" cy="220894"/>
+            </a:xfrm>
+            <a:prstGeom prst="rect">
+              <a:avLst/>
+            </a:prstGeom>
+            <a:solidFill>
+              <a:srgbClr val="F7F6F3"/>
+            </a:solidFill>
+            <a:ln>
+              <a:noFill/>
+            </a:ln>
+          </p:spPr>
+          <p:style>
+            <a:lnRef idx="2">
+              <a:schemeClr val="accent1">
+                <a:shade val="50000"/>
+              </a:schemeClr>
+            </a:lnRef>
+            <a:fillRef idx="1">
+              <a:schemeClr val="accent1"/>
+            </a:fillRef>
+            <a:effectRef idx="0">
+              <a:schemeClr val="accent1"/>
+            </a:effectRef>
+            <a:fontRef idx="minor">
+              <a:schemeClr val="lt1"/>
+            </a:fontRef>
+          </p:style>
+          <p:txBody>
+            <a:bodyPr rtlCol="0" anchor="ctr"/>
+            <a:lstStyle/>
+            <a:p>
+              <a:pPr algn="ctr"/>
+              <a:endParaRPr lang="ko-KR" altLang="en-US"/>
+            </a:p>
+          </p:txBody>
+        </p:sp>
+        <p:sp>
+          <p:nvSpPr>
+            <p:cNvPr id="2" name="TextBox 1"/>
+            <p:cNvSpPr txBox="1"/>
+            <p:nvPr/>
+          </p:nvSpPr>
+          <p:spPr>
+            <a:xfrm>
+              <a:off x="467733" y="7032720"/>
+              <a:ext cx="1746607" cy="307777"/>
+            </a:xfrm>
+            <a:prstGeom prst="rect">
+              <a:avLst/>
+            </a:prstGeom>
+            <a:noFill/>
+          </p:spPr>
+          <p:txBody>
+            <a:bodyPr wrap="square" rtlCol="0">
+              <a:spAutoFit/>
+            </a:bodyPr>
+            <a:lstStyle/>
+            <a:p>
+              <a:r>
+                <a:rPr lang="en-US" altLang="ko-KR" sz="1400" b="1" dirty="0" smtClean="0">
+                  <a:solidFill>
+                    <a:srgbClr val="ACB4BC"/>
+                  </a:solidFill>
+                  <a:latin typeface="다키 L" pitchFamily="2" charset="-127"/>
+                  <a:ea typeface="다키 L" pitchFamily="2" charset="-127"/>
+                </a:rPr>
+                <a:t>// </a:t>
+              </a:r>
+              <a:r>
+                <a:rPr lang="ko-KR" altLang="en-US" sz="1400" b="1" dirty="0" smtClean="0">
+                  <a:solidFill>
+                    <a:srgbClr val="ACB4BC"/>
+                  </a:solidFill>
+                  <a:latin typeface="다키 L" pitchFamily="2" charset="-127"/>
+                  <a:ea typeface="다키 L" pitchFamily="2" charset="-127"/>
+                </a:rPr>
+                <a:t>유저의 질문 추가</a:t>
+              </a:r>
+              <a:endParaRPr lang="ko-KR" altLang="en-US" sz="1400" b="1" dirty="0">
+                <a:solidFill>
+                  <a:srgbClr val="ACB4BC"/>
+                </a:solidFill>
+                <a:latin typeface="다키 L" pitchFamily="2" charset="-127"/>
+                <a:ea typeface="다키 L" pitchFamily="2" charset="-127"/>
+              </a:endParaRPr>
+            </a:p>
+          </p:txBody>
+        </p:sp>
+      </p:grpSp>
     </p:spTree>
     <p:extLst>
       <p:ext uri="{BB962C8B-B14F-4D97-AF65-F5344CB8AC3E}">
-        <p14:creationId xmlns:p14="http://schemas.microsoft.com/office/powerpoint/2010/main" val="3648269824"/>
+        <p14:creationId xmlns:p14="http://schemas.microsoft.com/office/powerpoint/2010/main" val="2377081170"/>
       </p:ext>
     </p:extLst>
   </p:cSld>
@@ -22844,7 +22957,7 @@
           <p:spPr>
             <a:xfrm>
               <a:off x="2919802" y="2767552"/>
-              <a:ext cx="4853796" cy="1938992"/>
+              <a:ext cx="5032396" cy="1938992"/>
             </a:xfrm>
             <a:prstGeom prst="rect">
               <a:avLst/>
@@ -22876,7 +22989,15 @@
                     <a:schemeClr val="bg1"/>
                   </a:solidFill>
                 </a:rPr>
-                <a:t>Me) 4</a:t>
+                <a:t>ME) </a:t>
+              </a:r>
+              <a:r>
+                <a:rPr lang="en-US" altLang="ko-KR" sz="2000" dirty="0" smtClean="0">
+                  <a:solidFill>
+                    <a:schemeClr val="bg1"/>
+                  </a:solidFill>
+                </a:rPr>
+                <a:t>4</a:t>
               </a:r>
               <a:r>
                 <a:rPr lang="ko-KR" altLang="en-US" sz="2000" dirty="0" smtClean="0">
@@ -22907,37 +23028,6 @@
                   <a:schemeClr val="bg1"/>
                 </a:solidFill>
               </a:endParaRPr>
-            </a:p>
-            <a:p>
-              <a:pPr lvl="1">
-                <a:lnSpc>
-                  <a:spcPct val="150000"/>
-                </a:lnSpc>
-              </a:pPr>
-              <a:r>
-                <a:rPr lang="en-US" altLang="ko-KR" sz="2000" dirty="0" smtClean="0">
-                  <a:solidFill>
-                    <a:schemeClr val="bg1"/>
-                  </a:solidFill>
-                </a:rPr>
-                <a:t>	 </a:t>
-              </a:r>
-              <a:r>
-                <a:rPr lang="ko-KR" altLang="en-US" sz="2000" dirty="0" smtClean="0">
-                  <a:solidFill>
-                    <a:schemeClr val="bg1"/>
-                  </a:solidFill>
-                </a:rPr>
-                <a:t>시연 보러 가시겠습니다</a:t>
-              </a:r>
-              <a:r>
-                <a:rPr lang="en-US" altLang="ko-KR" sz="2000" dirty="0" smtClean="0">
-                  <a:solidFill>
-                    <a:schemeClr val="bg1"/>
-                  </a:solidFill>
-                </a:rPr>
-                <a:t>!</a:t>
-              </a:r>
             </a:p>
             <a:p>
               <a:pPr>
@@ -22946,6 +23036,53 @@
                 </a:lnSpc>
               </a:pPr>
               <a:r>
+                <a:rPr lang="ko-KR" altLang="en-US" sz="2000" dirty="0" smtClean="0">
+                  <a:solidFill>
+                    <a:schemeClr val="bg1"/>
+                  </a:solidFill>
+                </a:rPr>
+                <a:t>키우</a:t>
+              </a:r>
+              <a:r>
+                <a:rPr lang="en-US" altLang="ko-KR" sz="2000" dirty="0" smtClean="0">
+                  <a:solidFill>
+                    <a:schemeClr val="bg1"/>
+                  </a:solidFill>
+                </a:rPr>
+                <a:t>ME) </a:t>
+              </a:r>
+              <a:r>
+                <a:rPr lang="ko-KR" altLang="en-US" sz="2000" dirty="0" smtClean="0">
+                  <a:solidFill>
+                    <a:schemeClr val="bg1"/>
+                  </a:solidFill>
+                </a:rPr>
+                <a:t>시연 </a:t>
+              </a:r>
+              <a:r>
+                <a:rPr lang="ko-KR" altLang="en-US" sz="2000" dirty="0" smtClean="0">
+                  <a:solidFill>
+                    <a:schemeClr val="bg1"/>
+                  </a:solidFill>
+                </a:rPr>
+                <a:t>보러 가시겠습니다</a:t>
+              </a:r>
+              <a:r>
+                <a:rPr lang="en-US" altLang="ko-KR" sz="2000" dirty="0" smtClean="0">
+                  <a:solidFill>
+                    <a:schemeClr val="bg1"/>
+                  </a:solidFill>
+                </a:rPr>
+                <a:t>! </a:t>
+              </a:r>
+            </a:p>
+            <a:p>
+              <a:pPr>
+                <a:lnSpc>
+                  <a:spcPct val="150000"/>
+                </a:lnSpc>
+              </a:pPr>
+              <a:r>
                 <a:rPr lang="en-US" altLang="ko-KR" sz="2000" dirty="0" smtClean="0">
                   <a:solidFill>
                     <a:schemeClr val="bg1">
@@ -22953,7 +23090,17 @@
                     </a:schemeClr>
                   </a:solidFill>
                 </a:rPr>
-                <a:t>(Enter </a:t>
+                <a:t>(</a:t>
+              </a:r>
+              <a:r>
+                <a:rPr lang="en-US" altLang="ko-KR" sz="2000" dirty="0" smtClean="0">
+                  <a:solidFill>
+                    <a:schemeClr val="bg1">
+                      <a:lumMod val="75000"/>
+                    </a:schemeClr>
+                  </a:solidFill>
+                </a:rPr>
+                <a:t>Enter </a:t>
               </a:r>
               <a:r>
                 <a:rPr lang="ko-KR" altLang="en-US" sz="2000" dirty="0" smtClean="0">
@@ -23034,6 +23181,36 @@
           </p:style>
         </p:cxnSp>
       </p:grpSp>
+      <p:pic>
+        <p:nvPicPr>
+          <p:cNvPr id="2" name="그림 1"/>
+          <p:cNvPicPr>
+            <a:picLocks noChangeAspect="1"/>
+          </p:cNvPicPr>
+          <p:nvPr/>
+        </p:nvPicPr>
+        <p:blipFill>
+          <a:blip r:embed="rId3" cstate="print">
+            <a:extLst>
+              <a:ext uri="{28A0092B-C50C-407E-A947-70E740481C1C}">
+                <a14:useLocalDpi xmlns:a14="http://schemas.microsoft.com/office/drawing/2010/main" val="0"/>
+              </a:ext>
+            </a:extLst>
+          </a:blip>
+          <a:stretch>
+            <a:fillRect/>
+          </a:stretch>
+        </p:blipFill>
+        <p:spPr>
+          <a:xfrm>
+            <a:off x="6806629" y="3388984"/>
+            <a:ext cx="265870" cy="265870"/>
+          </a:xfrm>
+          <a:prstGeom prst="rect">
+            <a:avLst/>
+          </a:prstGeom>
+        </p:spPr>
+      </p:pic>
     </p:spTree>
     <p:extLst>
       <p:ext uri="{BB962C8B-B14F-4D97-AF65-F5344CB8AC3E}">
@@ -23666,7 +23843,7 @@
           <a:blip r:embed="rId2">
             <a:extLst>
               <a:ext uri="{96DAC541-7B7A-43D3-8B79-37D633B846F1}">
-                <asvg:svgBlip xmlns:asvg="http://schemas.microsoft.com/office/drawing/2016/SVG/main" xmlns="" r:embed="rId5"/>
+                <asvg:svgBlip xmlns="" xmlns:asvg="http://schemas.microsoft.com/office/drawing/2016/SVG/main" r:embed="rId5"/>
               </a:ext>
             </a:extLst>
           </a:blip>
@@ -24020,7 +24197,7 @@
           <a:blip r:embed="rId2">
             <a:extLst>
               <a:ext uri="{96DAC541-7B7A-43D3-8B79-37D633B846F1}">
-                <asvg:svgBlip xmlns:asvg="http://schemas.microsoft.com/office/drawing/2016/SVG/main" xmlns="" r:embed="rId3"/>
+                <asvg:svgBlip xmlns="" xmlns:asvg="http://schemas.microsoft.com/office/drawing/2016/SVG/main" r:embed="rId3"/>
               </a:ext>
             </a:extLst>
           </a:blip>
@@ -26207,7 +26384,7 @@
           <a:blip r:embed="rId2">
             <a:extLst>
               <a:ext uri="{96DAC541-7B7A-43D3-8B79-37D633B846F1}">
-                <asvg:svgBlip xmlns:asvg="http://schemas.microsoft.com/office/drawing/2016/SVG/main" xmlns="" r:embed="rId3"/>
+                <asvg:svgBlip xmlns="" xmlns:asvg="http://schemas.microsoft.com/office/drawing/2016/SVG/main" r:embed="rId3"/>
               </a:ext>
             </a:extLst>
           </a:blip>
@@ -26243,7 +26420,7 @@
           <a:blip r:embed="rId4">
             <a:extLst>
               <a:ext uri="{96DAC541-7B7A-43D3-8B79-37D633B846F1}">
-                <asvg:svgBlip xmlns:asvg="http://schemas.microsoft.com/office/drawing/2016/SVG/main" xmlns="" r:embed="rId5"/>
+                <asvg:svgBlip xmlns="" xmlns:asvg="http://schemas.microsoft.com/office/drawing/2016/SVG/main" r:embed="rId5"/>
               </a:ext>
             </a:extLst>
           </a:blip>
@@ -27246,7 +27423,7 @@
             </a:xfrm>
             <a:prstGeom prst="roundRect">
               <a:avLst>
-                <a:gd name="adj" fmla="val 11078"/>
+                <a:gd name="adj" fmla="val 10256"/>
               </a:avLst>
             </a:prstGeom>
             <a:solidFill>
